--- a/Aula 04/Tanque/Tanque.pptx
+++ b/Aula 04/Tanque/Tanque.pptx
@@ -4313,13 +4313,13 @@
 </file>
 
 <file path=customXml/itemProps1.xml><?xml version="1.0" encoding="utf-8"?>
-<ds:datastoreItem xmlns:ds="http://schemas.openxmlformats.org/officeDocument/2006/customXml" ds:itemID="{E9C9DC38-D5A6-4B76-8232-76650056C04F}"/>
+<ds:datastoreItem xmlns:ds="http://schemas.openxmlformats.org/officeDocument/2006/customXml" ds:itemID="{7B5BD4FD-5AED-40F0-9AEA-B7821C29355B}"/>
 </file>
 
 <file path=customXml/itemProps2.xml><?xml version="1.0" encoding="utf-8"?>
-<ds:datastoreItem xmlns:ds="http://schemas.openxmlformats.org/officeDocument/2006/customXml" ds:itemID="{3018FB5E-A8F1-4A73-BB40-BBF4AF1EAF47}"/>
+<ds:datastoreItem xmlns:ds="http://schemas.openxmlformats.org/officeDocument/2006/customXml" ds:itemID="{933973E2-1A51-45C8-889F-28FFEFBF6F65}"/>
 </file>
 
 <file path=customXml/itemProps3.xml><?xml version="1.0" encoding="utf-8"?>
-<ds:datastoreItem xmlns:ds="http://schemas.openxmlformats.org/officeDocument/2006/customXml" ds:itemID="{8D907FEA-275A-4936-A3D9-E26F38CC0A69}"/>
+<ds:datastoreItem xmlns:ds="http://schemas.openxmlformats.org/officeDocument/2006/customXml" ds:itemID="{457452AB-7942-446B-B2C8-5FB10A189D03}"/>
 </file>